--- a/Presentation/lesson-10.pptx
+++ b/Presentation/lesson-10.pptx
@@ -5,7 +5,7 @@
     <p:sldMasterId id="2147483648" r:id="rId1"/>
   </p:sldMasterIdLst>
   <p:notesMasterIdLst>
-    <p:notesMasterId r:id="rId33"/>
+    <p:notesMasterId r:id="rId35"/>
   </p:notesMasterIdLst>
   <p:sldIdLst>
     <p:sldId id="257" r:id="rId2"/>
@@ -39,6 +39,8 @@
     <p:sldId id="287" r:id="rId30"/>
     <p:sldId id="288" r:id="rId31"/>
     <p:sldId id="289" r:id="rId32"/>
+    <p:sldId id="291" r:id="rId33"/>
+    <p:sldId id="292" r:id="rId34"/>
   </p:sldIdLst>
   <p:sldSz cx="9144000" cy="6858000" type="screen4x3"/>
   <p:notesSz cx="6858000" cy="9144000"/>
@@ -28388,6 +28390,244 @@
     <p:extLst>
       <p:ext uri="{BB962C8B-B14F-4D97-AF65-F5344CB8AC3E}">
         <p14:creationId xmlns:p14="http://schemas.microsoft.com/office/powerpoint/2010/main" val="2356890953"/>
+      </p:ext>
+    </p:extLst>
+  </p:cSld>
+  <p:clrMapOvr>
+    <a:masterClrMapping/>
+  </p:clrMapOvr>
+</p:sld>
+</file>
+
+<file path=ppt/slides/slide32.xml><?xml version="1.0" encoding="utf-8"?>
+<p:sld xmlns:a="http://schemas.openxmlformats.org/drawingml/2006/main" xmlns:r="http://schemas.openxmlformats.org/officeDocument/2006/relationships" xmlns:p="http://schemas.openxmlformats.org/presentationml/2006/main">
+  <p:cSld>
+    <p:spTree>
+      <p:nvGrpSpPr>
+        <p:cNvPr id="1" name=""/>
+        <p:cNvGrpSpPr/>
+        <p:nvPr/>
+      </p:nvGrpSpPr>
+      <p:grpSpPr>
+        <a:xfrm>
+          <a:off x="0" y="0"/>
+          <a:ext cx="0" cy="0"/>
+          <a:chOff x="0" y="0"/>
+          <a:chExt cx="0" cy="0"/>
+        </a:xfrm>
+      </p:grpSpPr>
+      <p:sp>
+        <p:nvSpPr>
+          <p:cNvPr id="2" name="Title 1"/>
+          <p:cNvSpPr>
+            <a:spLocks noGrp="1"/>
+          </p:cNvSpPr>
+          <p:nvPr>
+            <p:ph type="title"/>
+          </p:nvPr>
+        </p:nvSpPr>
+        <p:spPr/>
+        <p:txBody>
+          <a:bodyPr/>
+          <a:lstStyle/>
+          <a:p>
+            <a:r>
+              <a:rPr lang="en-US" dirty="0" smtClean="0"/>
+              <a:t>Entity Framework</a:t>
+            </a:r>
+            <a:endParaRPr lang="en-US" dirty="0"/>
+          </a:p>
+        </p:txBody>
+      </p:sp>
+      <p:sp>
+        <p:nvSpPr>
+          <p:cNvPr id="3" name="Content Placeholder 2"/>
+          <p:cNvSpPr>
+            <a:spLocks noGrp="1"/>
+          </p:cNvSpPr>
+          <p:nvPr>
+            <p:ph idx="1"/>
+          </p:nvPr>
+        </p:nvSpPr>
+        <p:spPr/>
+        <p:txBody>
+          <a:bodyPr/>
+          <a:lstStyle/>
+          <a:p>
+            <a:r>
+              <a:rPr lang="en-US" dirty="0" smtClean="0"/>
+              <a:t>Object-relational </a:t>
+            </a:r>
+            <a:r>
+              <a:rPr lang="en-US" dirty="0"/>
+              <a:t>mapping (ORM</a:t>
+            </a:r>
+            <a:r>
+              <a:rPr lang="en-US" dirty="0" smtClean="0"/>
+              <a:t>)</a:t>
+            </a:r>
+          </a:p>
+          <a:p>
+            <a:r>
+              <a:rPr lang="ru-RU" dirty="0" smtClean="0"/>
+              <a:t>Упрощает работу с БД путем изоляции програмиста от прямого доступа к БД</a:t>
+            </a:r>
+          </a:p>
+          <a:p>
+            <a:r>
+              <a:rPr lang="ru-RU" dirty="0" smtClean="0"/>
+              <a:t>Аналоги</a:t>
+            </a:r>
+          </a:p>
+          <a:p>
+            <a:pPr lvl="1"/>
+            <a:r>
+              <a:rPr lang="en-US" dirty="0" err="1" smtClean="0"/>
+              <a:t>NHibernate</a:t>
+            </a:r>
+            <a:r>
+              <a:rPr lang="en-US" dirty="0" smtClean="0"/>
+              <a:t/>
+            </a:r>
+            <a:br>
+              <a:rPr lang="en-US" dirty="0" smtClean="0"/>
+            </a:br>
+            <a:r>
+              <a:rPr lang="en-US" dirty="0" smtClean="0">
+                <a:hlinkClick r:id="rId2"/>
+              </a:rPr>
+              <a:t>http</a:t>
+            </a:r>
+            <a:r>
+              <a:rPr lang="en-US" dirty="0">
+                <a:hlinkClick r:id="rId2"/>
+              </a:rPr>
+              <a:t>://</a:t>
+            </a:r>
+            <a:r>
+              <a:rPr lang="en-US" dirty="0" smtClean="0">
+                <a:hlinkClick r:id="rId2"/>
+              </a:rPr>
+              <a:t>nhforge.org</a:t>
+            </a:r>
+            <a:endParaRPr lang="en-US" dirty="0" smtClean="0"/>
+          </a:p>
+          <a:p>
+            <a:pPr lvl="1"/>
+            <a:endParaRPr lang="en-US" dirty="0" smtClean="0"/>
+          </a:p>
+          <a:p>
+            <a:pPr lvl="1"/>
+            <a:endParaRPr lang="en-US" dirty="0"/>
+          </a:p>
+        </p:txBody>
+      </p:sp>
+    </p:spTree>
+    <p:extLst>
+      <p:ext uri="{BB962C8B-B14F-4D97-AF65-F5344CB8AC3E}">
+        <p14:creationId xmlns:p14="http://schemas.microsoft.com/office/powerpoint/2010/main" val="1052672265"/>
+      </p:ext>
+    </p:extLst>
+  </p:cSld>
+  <p:clrMapOvr>
+    <a:masterClrMapping/>
+  </p:clrMapOvr>
+</p:sld>
+</file>
+
+<file path=ppt/slides/slide33.xml><?xml version="1.0" encoding="utf-8"?>
+<p:sld xmlns:a="http://schemas.openxmlformats.org/drawingml/2006/main" xmlns:r="http://schemas.openxmlformats.org/officeDocument/2006/relationships" xmlns:p="http://schemas.openxmlformats.org/presentationml/2006/main">
+  <p:cSld>
+    <p:bg>
+      <p:bgPr>
+        <a:solidFill>
+          <a:schemeClr val="accent1"/>
+        </a:solidFill>
+        <a:effectLst/>
+      </p:bgPr>
+    </p:bg>
+    <p:spTree>
+      <p:nvGrpSpPr>
+        <p:cNvPr id="1" name=""/>
+        <p:cNvGrpSpPr/>
+        <p:nvPr/>
+      </p:nvGrpSpPr>
+      <p:grpSpPr>
+        <a:xfrm>
+          <a:off x="0" y="0"/>
+          <a:ext cx="0" cy="0"/>
+          <a:chOff x="0" y="0"/>
+          <a:chExt cx="0" cy="0"/>
+        </a:xfrm>
+      </p:grpSpPr>
+      <p:pic>
+        <p:nvPicPr>
+          <p:cNvPr id="1026" name="Picture 2"/>
+          <p:cNvPicPr>
+            <a:picLocks noChangeAspect="1" noChangeArrowheads="1"/>
+          </p:cNvPicPr>
+          <p:nvPr/>
+        </p:nvPicPr>
+        <p:blipFill>
+          <a:blip r:embed="rId2">
+            <a:extLst>
+              <a:ext uri="{28A0092B-C50C-407E-A947-70E740481C1C}">
+                <a14:useLocalDpi xmlns:a14="http://schemas.microsoft.com/office/drawing/2010/main" val="0"/>
+              </a:ext>
+            </a:extLst>
+          </a:blip>
+          <a:srcRect/>
+          <a:stretch>
+            <a:fillRect/>
+          </a:stretch>
+        </p:blipFill>
+        <p:spPr bwMode="auto">
+          <a:xfrm>
+            <a:off x="230029" y="600075"/>
+            <a:ext cx="8683943" cy="5657850"/>
+          </a:xfrm>
+          <a:prstGeom prst="rect">
+            <a:avLst/>
+          </a:prstGeom>
+          <a:noFill/>
+          <a:ln>
+            <a:noFill/>
+          </a:ln>
+          <a:effectLst/>
+          <a:extLst>
+            <a:ext uri="{909E8E84-426E-40DD-AFC4-6F175D3DCCD1}">
+              <a14:hiddenFill xmlns:a14="http://schemas.microsoft.com/office/drawing/2010/main">
+                <a:solidFill>
+                  <a:schemeClr val="accent1"/>
+                </a:solidFill>
+              </a14:hiddenFill>
+            </a:ext>
+            <a:ext uri="{91240B29-F687-4F45-9708-019B960494DF}">
+              <a14:hiddenLine xmlns:a14="http://schemas.microsoft.com/office/drawing/2010/main" w="9525">
+                <a:solidFill>
+                  <a:schemeClr val="tx1"/>
+                </a:solidFill>
+                <a:miter lim="800000"/>
+                <a:headEnd/>
+                <a:tailEnd/>
+              </a14:hiddenLine>
+            </a:ext>
+            <a:ext uri="{AF507438-7753-43E0-B8FC-AC1667EBCBE1}">
+              <a14:hiddenEffects xmlns:a14="http://schemas.microsoft.com/office/drawing/2010/main">
+                <a:effectLst>
+                  <a:outerShdw dist="35921" dir="2700000" algn="ctr" rotWithShape="0">
+                    <a:schemeClr val="bg2"/>
+                  </a:outerShdw>
+                </a:effectLst>
+              </a14:hiddenEffects>
+            </a:ext>
+          </a:extLst>
+        </p:spPr>
+      </p:pic>
+    </p:spTree>
+    <p:extLst>
+      <p:ext uri="{BB962C8B-B14F-4D97-AF65-F5344CB8AC3E}">
+        <p14:creationId xmlns:p14="http://schemas.microsoft.com/office/powerpoint/2010/main" val="2491824917"/>
       </p:ext>
     </p:extLst>
   </p:cSld>

--- a/Presentation/lesson-10.pptx
+++ b/Presentation/lesson-10.pptx
@@ -224,7 +224,7 @@
           <a:p>
             <a:fld id="{B24A7054-7FFB-49F4-A126-5DF6E687FF53}" type="datetimeFigureOut">
               <a:rPr lang="ru-RU" smtClean="0"/>
-              <a:t>31.08.2012</a:t>
+              <a:t>01.11.2012</a:t>
             </a:fld>
             <a:endParaRPr lang="ru-RU"/>
           </a:p>
@@ -1287,7 +1287,7 @@
           <a:p>
             <a:fld id="{8E6E6A2A-E9D3-4A0D-B04A-ABDD367A1E08}" type="datetimeFigureOut">
               <a:rPr lang="ru-RU" smtClean="0"/>
-              <a:t>31.08.2012</a:t>
+              <a:t>01.11.2012</a:t>
             </a:fld>
             <a:endParaRPr lang="ru-RU"/>
           </a:p>
@@ -2735,7 +2735,7 @@
           <a:p>
             <a:fld id="{AC3D3127-B7C4-45E3-9797-C527EC9FDD78}" type="datetimeFigureOut">
               <a:rPr lang="ru-RU" smtClean="0"/>
-              <a:t>31.08.2012</a:t>
+              <a:t>01.11.2012</a:t>
             </a:fld>
             <a:endParaRPr lang="ru-RU"/>
           </a:p>
@@ -3274,6 +3274,40 @@
                 <a:schemeClr val="bg1"/>
               </a:solidFill>
             </a:endParaRPr>
+          </a:p>
+        </p:txBody>
+      </p:sp>
+      <p:sp>
+        <p:nvSpPr>
+          <p:cNvPr id="8" name="TextBox 7"/>
+          <p:cNvSpPr txBox="1"/>
+          <p:nvPr/>
+        </p:nvSpPr>
+        <p:spPr>
+          <a:xfrm>
+            <a:off x="3120449" y="5589240"/>
+            <a:ext cx="2903102" cy="369332"/>
+          </a:xfrm>
+          <a:prstGeom prst="rect">
+            <a:avLst/>
+          </a:prstGeom>
+          <a:noFill/>
+        </p:spPr>
+        <p:txBody>
+          <a:bodyPr wrap="none" rtlCol="0">
+            <a:spAutoFit/>
+          </a:bodyPr>
+          <a:lstStyle/>
+          <a:p>
+            <a:r>
+              <a:rPr lang="en-US" dirty="0">
+                <a:solidFill>
+                  <a:schemeClr val="bg1"/>
+                </a:solidFill>
+              </a:rPr>
+              <a:t>http://vk.com/club33848893</a:t>
+            </a:r>
+            <a:endParaRPr lang="en-US" dirty="0"/>
           </a:p>
         </p:txBody>
       </p:sp>

--- a/Presentation/lesson-10.pptx
+++ b/Presentation/lesson-10.pptx
@@ -224,7 +224,7 @@
           <a:p>
             <a:fld id="{B24A7054-7FFB-49F4-A126-5DF6E687FF53}" type="datetimeFigureOut">
               <a:rPr lang="ru-RU" smtClean="0"/>
-              <a:t>01.11.2012</a:t>
+              <a:t>06.11.2012</a:t>
             </a:fld>
             <a:endParaRPr lang="ru-RU"/>
           </a:p>
@@ -1287,7 +1287,7 @@
           <a:p>
             <a:fld id="{8E6E6A2A-E9D3-4A0D-B04A-ABDD367A1E08}" type="datetimeFigureOut">
               <a:rPr lang="ru-RU" smtClean="0"/>
-              <a:t>01.11.2012</a:t>
+              <a:t>06.11.2012</a:t>
             </a:fld>
             <a:endParaRPr lang="ru-RU"/>
           </a:p>
@@ -2735,7 +2735,7 @@
           <a:p>
             <a:fld id="{AC3D3127-B7C4-45E3-9797-C527EC9FDD78}" type="datetimeFigureOut">
               <a:rPr lang="ru-RU" smtClean="0"/>
-              <a:t>01.11.2012</a:t>
+              <a:t>06.11.2012</a:t>
             </a:fld>
             <a:endParaRPr lang="ru-RU"/>
           </a:p>
@@ -3274,40 +3274,6 @@
                 <a:schemeClr val="bg1"/>
               </a:solidFill>
             </a:endParaRPr>
-          </a:p>
-        </p:txBody>
-      </p:sp>
-      <p:sp>
-        <p:nvSpPr>
-          <p:cNvPr id="8" name="TextBox 7"/>
-          <p:cNvSpPr txBox="1"/>
-          <p:nvPr/>
-        </p:nvSpPr>
-        <p:spPr>
-          <a:xfrm>
-            <a:off x="3120449" y="5589240"/>
-            <a:ext cx="2903102" cy="369332"/>
-          </a:xfrm>
-          <a:prstGeom prst="rect">
-            <a:avLst/>
-          </a:prstGeom>
-          <a:noFill/>
-        </p:spPr>
-        <p:txBody>
-          <a:bodyPr wrap="none" rtlCol="0">
-            <a:spAutoFit/>
-          </a:bodyPr>
-          <a:lstStyle/>
-          <a:p>
-            <a:r>
-              <a:rPr lang="en-US" dirty="0">
-                <a:solidFill>
-                  <a:schemeClr val="bg1"/>
-                </a:solidFill>
-              </a:rPr>
-              <a:t>http://vk.com/club33848893</a:t>
-            </a:r>
-            <a:endParaRPr lang="en-US" dirty="0"/>
           </a:p>
         </p:txBody>
       </p:sp>

--- a/Presentation/lesson-10.pptx
+++ b/Presentation/lesson-10.pptx
@@ -5,7 +5,7 @@
     <p:sldMasterId id="2147483648" r:id="rId1"/>
   </p:sldMasterIdLst>
   <p:notesMasterIdLst>
-    <p:notesMasterId r:id="rId35"/>
+    <p:notesMasterId r:id="rId36"/>
   </p:notesMasterIdLst>
   <p:sldIdLst>
     <p:sldId id="257" r:id="rId2"/>
@@ -41,6 +41,7 @@
     <p:sldId id="289" r:id="rId32"/>
     <p:sldId id="291" r:id="rId33"/>
     <p:sldId id="292" r:id="rId34"/>
+    <p:sldId id="293" r:id="rId35"/>
   </p:sldIdLst>
   <p:sldSz cx="9144000" cy="6858000" type="screen4x3"/>
   <p:notesSz cx="6858000" cy="9144000"/>
@@ -224,7 +225,7 @@
           <a:p>
             <a:fld id="{B24A7054-7FFB-49F4-A126-5DF6E687FF53}" type="datetimeFigureOut">
               <a:rPr lang="ru-RU" smtClean="0"/>
-              <a:t>06.11.2012</a:t>
+              <a:t>18.12.2012</a:t>
             </a:fld>
             <a:endParaRPr lang="ru-RU"/>
           </a:p>
@@ -1287,7 +1288,7 @@
           <a:p>
             <a:fld id="{8E6E6A2A-E9D3-4A0D-B04A-ABDD367A1E08}" type="datetimeFigureOut">
               <a:rPr lang="ru-RU" smtClean="0"/>
-              <a:t>06.11.2012</a:t>
+              <a:t>18.12.2012</a:t>
             </a:fld>
             <a:endParaRPr lang="ru-RU"/>
           </a:p>
@@ -2735,7 +2736,7 @@
           <a:p>
             <a:fld id="{AC3D3127-B7C4-45E3-9797-C527EC9FDD78}" type="datetimeFigureOut">
               <a:rPr lang="ru-RU" smtClean="0"/>
-              <a:t>06.11.2012</a:t>
+              <a:t>18.12.2012</a:t>
             </a:fld>
             <a:endParaRPr lang="ru-RU"/>
           </a:p>
@@ -28628,6 +28629,178 @@
     <p:extLst>
       <p:ext uri="{BB962C8B-B14F-4D97-AF65-F5344CB8AC3E}">
         <p14:creationId xmlns:p14="http://schemas.microsoft.com/office/powerpoint/2010/main" val="2491824917"/>
+      </p:ext>
+    </p:extLst>
+  </p:cSld>
+  <p:clrMapOvr>
+    <a:masterClrMapping/>
+  </p:clrMapOvr>
+</p:sld>
+</file>
+
+<file path=ppt/slides/slide34.xml><?xml version="1.0" encoding="utf-8"?>
+<p:sld xmlns:a="http://schemas.openxmlformats.org/drawingml/2006/main" xmlns:r="http://schemas.openxmlformats.org/officeDocument/2006/relationships" xmlns:p="http://schemas.openxmlformats.org/presentationml/2006/main">
+  <p:cSld>
+    <p:spTree>
+      <p:nvGrpSpPr>
+        <p:cNvPr id="1" name=""/>
+        <p:cNvGrpSpPr/>
+        <p:nvPr/>
+      </p:nvGrpSpPr>
+      <p:grpSpPr>
+        <a:xfrm>
+          <a:off x="0" y="0"/>
+          <a:ext cx="0" cy="0"/>
+          <a:chOff x="0" y="0"/>
+          <a:chExt cx="0" cy="0"/>
+        </a:xfrm>
+      </p:grpSpPr>
+      <p:sp>
+        <p:nvSpPr>
+          <p:cNvPr id="2" name="Title 1"/>
+          <p:cNvSpPr>
+            <a:spLocks noGrp="1"/>
+          </p:cNvSpPr>
+          <p:nvPr>
+            <p:ph type="title"/>
+          </p:nvPr>
+        </p:nvSpPr>
+        <p:spPr/>
+        <p:txBody>
+          <a:bodyPr/>
+          <a:lstStyle/>
+          <a:p>
+            <a:r>
+              <a:rPr lang="ru-RU" dirty="0" smtClean="0"/>
+              <a:t>Безопасность </a:t>
+            </a:r>
+            <a:r>
+              <a:rPr lang="en-US" dirty="0" smtClean="0"/>
+              <a:t>SQL</a:t>
+            </a:r>
+            <a:endParaRPr lang="en-US" dirty="0"/>
+          </a:p>
+        </p:txBody>
+      </p:sp>
+      <p:sp>
+        <p:nvSpPr>
+          <p:cNvPr id="3" name="Content Placeholder 2"/>
+          <p:cNvSpPr>
+            <a:spLocks noGrp="1"/>
+          </p:cNvSpPr>
+          <p:nvPr>
+            <p:ph idx="1"/>
+          </p:nvPr>
+        </p:nvSpPr>
+        <p:spPr/>
+        <p:txBody>
+          <a:bodyPr/>
+          <a:lstStyle/>
+          <a:p>
+            <a:r>
+              <a:rPr lang="en-US" dirty="0" smtClean="0"/>
+              <a:t>SQL Injection </a:t>
+            </a:r>
+            <a:r>
+              <a:rPr lang="ru-RU" dirty="0" smtClean="0"/>
+              <a:t>атаки</a:t>
+            </a:r>
+          </a:p>
+          <a:p>
+            <a:pPr lvl="1"/>
+            <a:r>
+              <a:rPr lang="ru-RU" dirty="0" smtClean="0"/>
+              <a:t>Чаще направлены против веб-приложений, но и </a:t>
+            </a:r>
+            <a:r>
+              <a:rPr lang="en-US" dirty="0" smtClean="0"/>
+              <a:t>desktop </a:t>
+            </a:r>
+            <a:r>
+              <a:rPr lang="ru-RU" dirty="0" smtClean="0"/>
+              <a:t>приложения тоже должны защищаться от них</a:t>
+            </a:r>
+          </a:p>
+          <a:p>
+            <a:r>
+              <a:rPr lang="ru-RU" dirty="0" smtClean="0"/>
+              <a:t>Защита от </a:t>
+            </a:r>
+            <a:r>
+              <a:rPr lang="en-US" dirty="0" smtClean="0"/>
+              <a:t>SQL Injection</a:t>
+            </a:r>
+          </a:p>
+          <a:p>
+            <a:pPr lvl="1"/>
+            <a:r>
+              <a:rPr lang="ru-RU" dirty="0" smtClean="0"/>
+              <a:t>«Нет» динамическому </a:t>
+            </a:r>
+            <a:r>
+              <a:rPr lang="en-US" dirty="0" smtClean="0"/>
+              <a:t>SQL</a:t>
+            </a:r>
+            <a:r>
+              <a:rPr lang="ru-RU" dirty="0" smtClean="0"/>
+              <a:t>! (включа</a:t>
+            </a:r>
+            <a:r>
+              <a:rPr lang="ru-RU" dirty="0" smtClean="0"/>
+              <a:t>я</a:t>
+            </a:r>
+            <a:r>
+              <a:rPr lang="en-US" dirty="0" smtClean="0"/>
+              <a:t> </a:t>
+            </a:r>
+            <a:r>
+              <a:rPr lang="en-US" dirty="0" err="1" smtClean="0"/>
+              <a:t>sp_executesql</a:t>
+            </a:r>
+            <a:r>
+              <a:rPr lang="en-US" dirty="0" smtClean="0"/>
+              <a:t>)</a:t>
+            </a:r>
+            <a:endParaRPr lang="en-US" dirty="0" smtClean="0"/>
+          </a:p>
+          <a:p>
+            <a:pPr lvl="1"/>
+            <a:r>
+              <a:rPr lang="en-US" dirty="0" smtClean="0"/>
+              <a:t>@</a:t>
+            </a:r>
+            <a:r>
+              <a:rPr lang="ru-RU" dirty="0" smtClean="0"/>
+              <a:t>Параметры</a:t>
+            </a:r>
+            <a:r>
+              <a:rPr lang="en-US" dirty="0" smtClean="0"/>
+              <a:t> </a:t>
+            </a:r>
+            <a:r>
+              <a:rPr lang="ru-RU" dirty="0" smtClean="0"/>
+              <a:t>и/или </a:t>
+            </a:r>
+            <a:r>
+              <a:rPr lang="ru-RU" dirty="0" smtClean="0"/>
+              <a:t>хранимые процедуры</a:t>
+            </a:r>
+            <a:endParaRPr lang="en-US" dirty="0" smtClean="0"/>
+          </a:p>
+          <a:p>
+            <a:pPr lvl="1"/>
+            <a:r>
+              <a:rPr lang="ru-RU" dirty="0" smtClean="0"/>
+              <a:t>Продуманная система прав</a:t>
+            </a:r>
+            <a:endParaRPr lang="en-US" dirty="0"/>
+          </a:p>
+        </p:txBody>
+      </p:sp>
+    </p:spTree>
+    <p:extLst>
+      <p:ext uri="{BB962C8B-B14F-4D97-AF65-F5344CB8AC3E}">
+        <p14:creationId xmlns:p14="http://schemas.microsoft.com/office/powerpoint/2010/main" val="68460436"/>
       </p:ext>
     </p:extLst>
   </p:cSld>

--- a/Presentation/lesson-10.pptx
+++ b/Presentation/lesson-10.pptx
@@ -225,7 +225,7 @@
           <a:p>
             <a:fld id="{B24A7054-7FFB-49F4-A126-5DF6E687FF53}" type="datetimeFigureOut">
               <a:rPr lang="ru-RU" smtClean="0"/>
-              <a:t>18.12.2012</a:t>
+              <a:t>20.01.2013</a:t>
             </a:fld>
             <a:endParaRPr lang="ru-RU"/>
           </a:p>
@@ -1288,7 +1288,7 @@
           <a:p>
             <a:fld id="{8E6E6A2A-E9D3-4A0D-B04A-ABDD367A1E08}" type="datetimeFigureOut">
               <a:rPr lang="ru-RU" smtClean="0"/>
-              <a:t>18.12.2012</a:t>
+              <a:t>20.01.2013</a:t>
             </a:fld>
             <a:endParaRPr lang="ru-RU"/>
           </a:p>
@@ -2736,7 +2736,7 @@
           <a:p>
             <a:fld id="{AC3D3127-B7C4-45E3-9797-C527EC9FDD78}" type="datetimeFigureOut">
               <a:rPr lang="ru-RU" smtClean="0"/>
-              <a:t>18.12.2012</a:t>
+              <a:t>20.01.2013</a:t>
             </a:fld>
             <a:endParaRPr lang="ru-RU"/>
           </a:p>
@@ -28694,7 +28694,9 @@
         </p:nvSpPr>
         <p:spPr/>
         <p:txBody>
-          <a:bodyPr/>
+          <a:bodyPr>
+            <a:normAutofit fontScale="92500" lnSpcReduction="10000"/>
+          </a:bodyPr>
           <a:lstStyle/>
           <a:p>
             <a:r>
@@ -28722,6 +28724,7 @@
             </a:r>
           </a:p>
           <a:p>
+            <a:pPr lvl="1"/>
             <a:r>
               <a:rPr lang="ru-RU" dirty="0" smtClean="0"/>
               <a:t>Защита от </a:t>
@@ -28732,7 +28735,7 @@
             </a:r>
           </a:p>
           <a:p>
-            <a:pPr lvl="1"/>
+            <a:pPr lvl="2"/>
             <a:r>
               <a:rPr lang="ru-RU" dirty="0" smtClean="0"/>
               <a:t>«Нет» динамическому </a:t>
@@ -28743,11 +28746,7 @@
             </a:r>
             <a:r>
               <a:rPr lang="ru-RU" dirty="0" smtClean="0"/>
-              <a:t>! (включа</a:t>
-            </a:r>
-            <a:r>
-              <a:rPr lang="ru-RU" dirty="0" smtClean="0"/>
-              <a:t>я</a:t>
+              <a:t>! (включая</a:t>
             </a:r>
             <a:r>
               <a:rPr lang="en-US" dirty="0" smtClean="0"/>
@@ -28761,10 +28760,9 @@
               <a:rPr lang="en-US" dirty="0" smtClean="0"/>
               <a:t>)</a:t>
             </a:r>
-            <a:endParaRPr lang="en-US" dirty="0" smtClean="0"/>
-          </a:p>
-          <a:p>
-            <a:pPr lvl="1"/>
+          </a:p>
+          <a:p>
+            <a:pPr lvl="2"/>
             <a:r>
               <a:rPr lang="en-US" dirty="0" smtClean="0"/>
               <a:t>@</a:t>
@@ -28779,19 +28777,42 @@
             </a:r>
             <a:r>
               <a:rPr lang="ru-RU" dirty="0" smtClean="0"/>
-              <a:t>и/или </a:t>
-            </a:r>
+              <a:t>и/или хранимые процедуры</a:t>
+            </a:r>
+            <a:endParaRPr lang="en-US" dirty="0" smtClean="0"/>
+          </a:p>
+          <a:p>
+            <a:pPr lvl="2"/>
             <a:r>
               <a:rPr lang="ru-RU" dirty="0" smtClean="0"/>
-              <a:t>хранимые процедуры</a:t>
+              <a:t>Продуманная система </a:t>
+            </a:r>
+            <a:r>
+              <a:rPr lang="ru-RU" dirty="0" smtClean="0"/>
+              <a:t>прав</a:t>
             </a:r>
             <a:endParaRPr lang="en-US" dirty="0" smtClean="0"/>
           </a:p>
           <a:p>
-            <a:pPr lvl="1"/>
             <a:r>
               <a:rPr lang="ru-RU" dirty="0" smtClean="0"/>
-              <a:t>Продуманная система прав</a:t>
+              <a:t>Не подключайтесь из программы к БД под учетной записью админстратора (</a:t>
+            </a:r>
+            <a:r>
+              <a:rPr lang="en-US" dirty="0" err="1" smtClean="0"/>
+              <a:t>sa</a:t>
+            </a:r>
+            <a:r>
+              <a:rPr lang="en-US" dirty="0" smtClean="0"/>
+              <a:t>) </a:t>
+            </a:r>
+            <a:r>
+              <a:rPr lang="ru-RU" smtClean="0"/>
+              <a:t>или </a:t>
+            </a:r>
+            <a:r>
+              <a:rPr lang="ru-RU" dirty="0" smtClean="0"/>
+              <a:t>эквивалетной ей.</a:t>
             </a:r>
             <a:endParaRPr lang="en-US" dirty="0"/>
           </a:p>
